--- a/cube_UI.pptx
+++ b/cube_UI.pptx
@@ -2,11 +2,13 @@
 <file path=ppt/presentation.xml><?xml version="1.0" encoding="utf-8"?>
 <p:presentation xmlns:r="http://schemas.openxmlformats.org/officeDocument/2006/relationships" xmlns:c="http://schemas.openxmlformats.org/drawingml/2006/chart" xmlns:a="http://schemas.openxmlformats.org/drawingml/2006/main" xmlns:dgm="http://schemas.openxmlformats.org/drawingml/2006/diagram" xmlns:dsp="http://schemas.microsoft.com/office/drawing/2008/diagram" xmlns:p="http://schemas.openxmlformats.org/presentationml/2006/main" saveSubsetFonts="1">
   <p:sldMasterIdLst>
-    <p:sldMasterId id="2147483737" r:id="rId1"/>
+    <p:sldMasterId id="2147483734" r:id="rId1"/>
   </p:sldMasterIdLst>
   <p:sldIdLst>
     <p:sldId id="256" r:id="rId2"/>
     <p:sldId id="257" r:id="rId3"/>
+    <p:sldId id="258" r:id="rId4"/>
+    <p:sldId id="259" r:id="rId5"/>
   </p:sldIdLst>
   <p:sldSz cx="9144000" cy="6858000" type="screen4x3"/>
   <p:notesSz cx="6858000" cy="9144000"/>
@@ -3966,6 +3968,318 @@
           </a:p>
         </p:txBody>
       </p:sp>
+      <p:grpSp>
+        <p:nvGrpSpPr>
+          <p:cNvPr id="49" name=""/>
+          <p:cNvGrpSpPr/>
+          <p:nvPr/>
+        </p:nvGrpSpPr>
+        <p:grpSpPr>
+          <a:xfrm rot="0">
+            <a:off x="2952040" y="1412748"/>
+            <a:ext cx="3239919" cy="3240405"/>
+            <a:chOff x="1979676" y="1916811"/>
+            <a:chExt cx="3600000" cy="3600000"/>
+          </a:xfrm>
+        </p:grpSpPr>
+        <p:sp>
+          <p:nvSpPr>
+            <p:cNvPr id="50" name=""/>
+            <p:cNvSpPr/>
+            <p:nvPr/>
+          </p:nvSpPr>
+          <p:spPr>
+            <a:xfrm>
+              <a:off x="1979676" y="1916811"/>
+              <a:ext cx="3600000" cy="3600000"/>
+            </a:xfrm>
+            <a:prstGeom prst="rect">
+              <a:avLst/>
+            </a:prstGeom>
+            <a:solidFill>
+              <a:schemeClr val="bg1"/>
+            </a:solidFill>
+            <a:ln>
+              <a:noFill/>
+            </a:ln>
+          </p:spPr>
+          <p:style>
+            <a:lnRef idx="2">
+              <a:schemeClr val="accent1">
+                <a:shade val="20000"/>
+              </a:schemeClr>
+            </a:lnRef>
+            <a:fillRef idx="1">
+              <a:schemeClr val="accent1"/>
+            </a:fillRef>
+            <a:effectRef idx="0">
+              <a:schemeClr val="accent1"/>
+            </a:effectRef>
+            <a:fontRef idx="minor">
+              <a:schemeClr val="lt1"/>
+            </a:fontRef>
+          </p:style>
+          <p:txBody>
+            <a:bodyPr anchor="ctr"/>
+            <a:lstStyle/>
+            <a:p>
+              <a:pPr>
+                <a:defRPr lang="ko-KR" altLang="en-US"/>
+              </a:pPr>
+              <a:endParaRPr lang="ko-KR" strike="sngStrike"/>
+            </a:p>
+          </p:txBody>
+        </p:sp>
+        <p:sp>
+          <p:nvSpPr>
+            <p:cNvPr id="51" name=""/>
+            <p:cNvSpPr/>
+            <p:nvPr/>
+          </p:nvSpPr>
+          <p:spPr>
+            <a:xfrm>
+              <a:off x="4368777" y="2780919"/>
+              <a:ext cx="324000" cy="324000"/>
+            </a:xfrm>
+            <a:prstGeom prst="heart">
+              <a:avLst/>
+            </a:prstGeom>
+            <a:solidFill>
+              <a:srgbClr val="f52525"/>
+            </a:solidFill>
+            <a:ln>
+              <a:noFill/>
+            </a:ln>
+            <a:effectLst/>
+          </p:spPr>
+          <p:style>
+            <a:lnRef idx="2">
+              <a:schemeClr val="accent1">
+                <a:shade val="20000"/>
+              </a:schemeClr>
+            </a:lnRef>
+            <a:fillRef idx="1">
+              <a:schemeClr val="accent1"/>
+            </a:fillRef>
+            <a:effectRef idx="0">
+              <a:schemeClr val="accent1"/>
+            </a:effectRef>
+            <a:fontRef idx="minor">
+              <a:schemeClr val="lt1"/>
+            </a:fontRef>
+          </p:style>
+          <p:txBody>
+            <a:bodyPr anchor="ctr"/>
+            <a:lstStyle/>
+            <a:p>
+              <a:pPr>
+                <a:defRPr lang="ko-KR" altLang="en-US"/>
+              </a:pPr>
+              <a:endParaRPr lang="en-US"/>
+            </a:p>
+          </p:txBody>
+        </p:sp>
+        <p:sp>
+          <p:nvSpPr>
+            <p:cNvPr id="52" name=""/>
+            <p:cNvSpPr/>
+            <p:nvPr/>
+          </p:nvSpPr>
+          <p:spPr>
+            <a:xfrm>
+              <a:off x="3707892" y="3121986"/>
+              <a:ext cx="576000" cy="576000"/>
+            </a:xfrm>
+            <a:prstGeom prst="diamond">
+              <a:avLst/>
+            </a:prstGeom>
+            <a:solidFill>
+              <a:srgbClr val="176ced"/>
+            </a:solidFill>
+            <a:ln>
+              <a:noFill/>
+            </a:ln>
+            <a:effectLst/>
+          </p:spPr>
+          <p:style>
+            <a:lnRef idx="2">
+              <a:schemeClr val="accent1">
+                <a:shade val="20000"/>
+              </a:schemeClr>
+            </a:lnRef>
+            <a:fillRef idx="1">
+              <a:schemeClr val="accent1"/>
+            </a:fillRef>
+            <a:effectRef idx="0">
+              <a:schemeClr val="accent1"/>
+            </a:effectRef>
+            <a:fontRef idx="minor">
+              <a:schemeClr val="lt1"/>
+            </a:fontRef>
+          </p:style>
+          <p:txBody>
+            <a:bodyPr anchor="ctr"/>
+            <a:lstStyle/>
+            <a:p>
+              <a:pPr>
+                <a:defRPr lang="ko-KR" altLang="en-US"/>
+              </a:pPr>
+              <a:endParaRPr lang="en-US"/>
+            </a:p>
+          </p:txBody>
+        </p:sp>
+        <p:sp>
+          <p:nvSpPr>
+            <p:cNvPr id="53" name=""/>
+            <p:cNvSpPr/>
+            <p:nvPr/>
+          </p:nvSpPr>
+          <p:spPr>
+            <a:xfrm>
+              <a:off x="4836795" y="2492883"/>
+              <a:ext cx="251999" cy="216000"/>
+            </a:xfrm>
+            <a:prstGeom prst="triangle">
+              <a:avLst>
+                <a:gd name="adj" fmla="val 50000"/>
+              </a:avLst>
+            </a:prstGeom>
+            <a:solidFill>
+              <a:srgbClr val="ffb505"/>
+            </a:solidFill>
+            <a:ln>
+              <a:noFill/>
+            </a:ln>
+            <a:effectLst/>
+          </p:spPr>
+          <p:style>
+            <a:lnRef idx="2">
+              <a:schemeClr val="accent1">
+                <a:shade val="20000"/>
+              </a:schemeClr>
+            </a:lnRef>
+            <a:fillRef idx="1">
+              <a:schemeClr val="accent1"/>
+            </a:fillRef>
+            <a:effectRef idx="0">
+              <a:schemeClr val="accent1"/>
+            </a:effectRef>
+            <a:fontRef idx="minor">
+              <a:schemeClr val="lt1"/>
+            </a:fontRef>
+          </p:style>
+          <p:txBody>
+            <a:bodyPr anchor="ctr"/>
+            <a:lstStyle/>
+            <a:p>
+              <a:pPr>
+                <a:defRPr lang="ko-KR" altLang="en-US"/>
+              </a:pPr>
+              <a:endParaRPr lang="en-US"/>
+            </a:p>
+          </p:txBody>
+        </p:sp>
+        <p:sp>
+          <p:nvSpPr>
+            <p:cNvPr id="54" name=""/>
+            <p:cNvSpPr/>
+            <p:nvPr/>
+          </p:nvSpPr>
+          <p:spPr>
+            <a:xfrm>
+              <a:off x="2664027" y="3860901"/>
+              <a:ext cx="684000" cy="684000"/>
+            </a:xfrm>
+            <a:prstGeom prst="pentagon">
+              <a:avLst>
+                <a:gd name="hf" fmla="val 105146"/>
+                <a:gd name="vf" fmla="val 110557"/>
+              </a:avLst>
+            </a:prstGeom>
+            <a:solidFill>
+              <a:srgbClr val="009a57"/>
+            </a:solidFill>
+            <a:ln>
+              <a:noFill/>
+            </a:ln>
+            <a:effectLst/>
+          </p:spPr>
+          <p:style>
+            <a:lnRef idx="2">
+              <a:schemeClr val="accent1">
+                <a:shade val="20000"/>
+              </a:schemeClr>
+            </a:lnRef>
+            <a:fillRef idx="1">
+              <a:schemeClr val="accent1"/>
+            </a:fillRef>
+            <a:effectRef idx="0">
+              <a:schemeClr val="accent1"/>
+            </a:effectRef>
+            <a:fontRef idx="minor">
+              <a:schemeClr val="lt1"/>
+            </a:fontRef>
+          </p:style>
+          <p:txBody>
+            <a:bodyPr anchor="ctr"/>
+            <a:lstStyle/>
+            <a:p>
+              <a:pPr>
+                <a:defRPr lang="ko-KR" altLang="en-US"/>
+              </a:pPr>
+              <a:endParaRPr lang="en-US"/>
+            </a:p>
+          </p:txBody>
+        </p:sp>
+        <p:sp>
+          <p:nvSpPr>
+            <p:cNvPr id="55" name=""/>
+            <p:cNvSpPr/>
+            <p:nvPr/>
+          </p:nvSpPr>
+          <p:spPr>
+            <a:xfrm>
+              <a:off x="2394027" y="3626910"/>
+              <a:ext cx="1224000" cy="1224000"/>
+            </a:xfrm>
+            <a:prstGeom prst="ellipse">
+              <a:avLst/>
+            </a:prstGeom>
+            <a:noFill/>
+            <a:ln w="28575">
+              <a:solidFill>
+                <a:srgbClr val="777777"/>
+              </a:solidFill>
+            </a:ln>
+          </p:spPr>
+          <p:style>
+            <a:lnRef idx="2">
+              <a:schemeClr val="accent1">
+                <a:shade val="20000"/>
+              </a:schemeClr>
+            </a:lnRef>
+            <a:fillRef idx="1">
+              <a:schemeClr val="accent1"/>
+            </a:fillRef>
+            <a:effectRef idx="0">
+              <a:schemeClr val="accent1"/>
+            </a:effectRef>
+            <a:fontRef idx="minor">
+              <a:schemeClr val="lt1"/>
+            </a:fontRef>
+          </p:style>
+          <p:txBody>
+            <a:bodyPr anchor="ctr"/>
+            <a:lstStyle/>
+            <a:p>
+              <a:pPr>
+                <a:defRPr lang="ko-KR" altLang="en-US"/>
+              </a:pPr>
+              <a:endParaRPr lang="en-US"/>
+            </a:p>
+          </p:txBody>
+        </p:sp>
+      </p:grpSp>
       <p:sp>
         <p:nvSpPr>
           <p:cNvPr id="11" name=""/>
@@ -3974,7 +4288,7 @@
         </p:nvSpPr>
         <p:spPr>
           <a:xfrm>
-            <a:off x="3785615" y="-27433"/>
+            <a:off x="3707891" y="463298"/>
             <a:ext cx="1728216" cy="949450"/>
           </a:xfrm>
           <a:prstGeom prst="rect">
@@ -4013,23 +4327,23 @@
       </p:sp>
       <p:sp>
         <p:nvSpPr>
-          <p:cNvPr id="12" name=""/>
+          <p:cNvPr id="56" name=""/>
           <p:cNvSpPr/>
           <p:nvPr/>
         </p:nvSpPr>
         <p:spPr>
-          <a:xfrm rot="5400000">
-            <a:off x="5724144" y="188666"/>
-            <a:ext cx="576000" cy="576000"/>
-          </a:xfrm>
-          <a:prstGeom prst="mathEqual">
+          <a:xfrm flipH="1">
+            <a:off x="4427982" y="4653207"/>
+            <a:ext cx="432054" cy="432000"/>
+          </a:xfrm>
+          <a:prstGeom prst="leftArrow">
             <a:avLst>
-              <a:gd name="adj1" fmla="val 23520"/>
-              <a:gd name="adj2" fmla="val 11760"/>
+              <a:gd name="adj1" fmla="val 50000"/>
+              <a:gd name="adj2" fmla="val 50000"/>
             </a:avLst>
           </a:prstGeom>
           <a:solidFill>
-            <a:schemeClr val="bg1"/>
+            <a:srgbClr val="777777"/>
           </a:solidFill>
           <a:ln>
             <a:solidFill>
@@ -4055,6 +4369,7 @@
         </p:style>
         <p:txBody>
           <a:bodyPr anchor="ctr"/>
+          <a:lstStyle/>
           <a:p>
             <a:pPr>
               <a:defRPr lang="ko-KR" altLang="en-US"/>
@@ -4063,671 +4378,31 @@
           </a:p>
         </p:txBody>
       </p:sp>
-      <p:sp>
-        <p:nvSpPr>
-          <p:cNvPr id="14" name=""/>
-          <p:cNvSpPr/>
+      <p:pic>
+        <p:nvPicPr>
+          <p:cNvPr id="57" name=""/>
+          <p:cNvPicPr>
+            <a:picLocks noChangeAspect="1"/>
+          </p:cNvPicPr>
           <p:nvPr/>
-        </p:nvSpPr>
+        </p:nvPicPr>
+        <p:blipFill rotWithShape="1">
+          <a:blip r:embed="rId2"/>
+          <a:srcRect b="93240"/>
+          <a:stretch>
+            <a:fillRect/>
+          </a:stretch>
+        </p:blipFill>
         <p:spPr>
           <a:xfrm>
-            <a:off x="4443222" y="1052702"/>
-            <a:ext cx="432000" cy="432000"/>
-          </a:xfrm>
-          <a:prstGeom prst="pentagon">
-            <a:avLst>
-              <a:gd name="hf" fmla="val 105146"/>
-              <a:gd name="vf" fmla="val 110557"/>
-            </a:avLst>
-          </a:prstGeom>
-          <a:solidFill>
-            <a:srgbClr val="009a57"/>
-          </a:solidFill>
-          <a:ln>
-            <a:solidFill>
-              <a:srgbClr val="009a57"/>
-            </a:solidFill>
-          </a:ln>
-          <a:effectLst/>
-        </p:spPr>
-        <p:style>
-          <a:lnRef idx="2">
-            <a:schemeClr val="accent1">
-              <a:shade val="20000"/>
-            </a:schemeClr>
-          </a:lnRef>
-          <a:fillRef idx="1">
-            <a:schemeClr val="accent1"/>
-          </a:fillRef>
-          <a:effectRef idx="0">
-            <a:schemeClr val="accent1"/>
-          </a:effectRef>
-          <a:fontRef idx="minor">
-            <a:schemeClr val="lt1"/>
-          </a:fontRef>
-        </p:style>
-        <p:txBody>
-          <a:bodyPr anchor="ctr"/>
-          <a:p>
-            <a:pPr>
-              <a:defRPr lang="ko-KR" altLang="en-US"/>
-            </a:pPr>
-            <a:endParaRPr lang="en-US"/>
-          </a:p>
-        </p:txBody>
-      </p:sp>
-      <p:sp>
-        <p:nvSpPr>
-          <p:cNvPr id="17" name=""/>
-          <p:cNvSpPr/>
-          <p:nvPr/>
-        </p:nvSpPr>
-        <p:spPr>
-          <a:xfrm>
-            <a:off x="4443222" y="2204847"/>
-            <a:ext cx="432000" cy="432000"/>
-          </a:xfrm>
-          <a:prstGeom prst="heart">
+            <a:off x="2702052" y="6381369"/>
+            <a:ext cx="3857625" cy="463298"/>
+          </a:xfrm>
+          <a:prstGeom prst="rect">
             <a:avLst/>
           </a:prstGeom>
-          <a:solidFill>
-            <a:srgbClr val="f52525"/>
-          </a:solidFill>
-          <a:ln>
-            <a:solidFill>
-              <a:srgbClr val="fef2f0"/>
-            </a:solidFill>
-          </a:ln>
-          <a:effectLst/>
-        </p:spPr>
-        <p:style>
-          <a:lnRef idx="2">
-            <a:schemeClr val="accent1">
-              <a:shade val="20000"/>
-            </a:schemeClr>
-          </a:lnRef>
-          <a:fillRef idx="1">
-            <a:schemeClr val="accent1"/>
-          </a:fillRef>
-          <a:effectRef idx="0">
-            <a:schemeClr val="accent1"/>
-          </a:effectRef>
-          <a:fontRef idx="minor">
-            <a:schemeClr val="lt1"/>
-          </a:fontRef>
-        </p:style>
-        <p:txBody>
-          <a:bodyPr anchor="ctr"/>
-          <a:p>
-            <a:pPr>
-              <a:defRPr lang="ko-KR" altLang="en-US"/>
-            </a:pPr>
-            <a:endParaRPr lang="en-US"/>
-          </a:p>
-        </p:txBody>
-      </p:sp>
-      <p:sp>
-        <p:nvSpPr>
-          <p:cNvPr id="19" name=""/>
-          <p:cNvSpPr/>
-          <p:nvPr/>
-        </p:nvSpPr>
-        <p:spPr>
-          <a:xfrm>
-            <a:off x="4443222" y="3212973"/>
-            <a:ext cx="432000" cy="432000"/>
-          </a:xfrm>
-          <a:prstGeom prst="diamond">
-            <a:avLst/>
-          </a:prstGeom>
-          <a:solidFill>
-            <a:srgbClr val="176ced"/>
-          </a:solidFill>
-          <a:ln>
-            <a:solidFill>
-              <a:srgbClr val="176ced"/>
-            </a:solidFill>
-          </a:ln>
-          <a:effectLst/>
-        </p:spPr>
-        <p:style>
-          <a:lnRef idx="2">
-            <a:schemeClr val="accent1">
-              <a:shade val="20000"/>
-            </a:schemeClr>
-          </a:lnRef>
-          <a:fillRef idx="1">
-            <a:schemeClr val="accent1"/>
-          </a:fillRef>
-          <a:effectRef idx="0">
-            <a:schemeClr val="accent1"/>
-          </a:effectRef>
-          <a:fontRef idx="minor">
-            <a:schemeClr val="lt1"/>
-          </a:fontRef>
-        </p:style>
-        <p:txBody>
-          <a:bodyPr anchor="ctr"/>
-          <a:p>
-            <a:pPr>
-              <a:defRPr lang="ko-KR" altLang="en-US"/>
-            </a:pPr>
-            <a:endParaRPr lang="en-US"/>
-          </a:p>
-        </p:txBody>
-      </p:sp>
-      <p:sp>
-        <p:nvSpPr>
-          <p:cNvPr id="22" name=""/>
-          <p:cNvSpPr/>
-          <p:nvPr/>
-        </p:nvSpPr>
-        <p:spPr>
-          <a:xfrm>
-            <a:off x="4443222" y="4149090"/>
-            <a:ext cx="432000" cy="432000"/>
-          </a:xfrm>
-          <a:prstGeom prst="triangle">
-            <a:avLst>
-              <a:gd name="adj" fmla="val 50000"/>
-            </a:avLst>
-          </a:prstGeom>
-          <a:solidFill>
-            <a:srgbClr val="ffb505"/>
-          </a:solidFill>
-          <a:ln>
-            <a:solidFill>
-              <a:srgbClr val="ffb505"/>
-            </a:solidFill>
-          </a:ln>
-          <a:effectLst/>
-        </p:spPr>
-        <p:style>
-          <a:lnRef idx="2">
-            <a:schemeClr val="accent1">
-              <a:shade val="20000"/>
-            </a:schemeClr>
-          </a:lnRef>
-          <a:fillRef idx="1">
-            <a:schemeClr val="accent1"/>
-          </a:fillRef>
-          <a:effectRef idx="0">
-            <a:schemeClr val="accent1"/>
-          </a:effectRef>
-          <a:fontRef idx="minor">
-            <a:schemeClr val="lt1"/>
-          </a:fontRef>
-        </p:style>
-        <p:txBody>
-          <a:bodyPr anchor="ctr"/>
-          <a:p>
-            <a:pPr>
-              <a:defRPr lang="ko-KR" altLang="en-US"/>
-            </a:pPr>
-            <a:endParaRPr lang="en-US"/>
-          </a:p>
-        </p:txBody>
-      </p:sp>
-      <p:sp>
-        <p:nvSpPr>
-          <p:cNvPr id="26" name=""/>
-          <p:cNvSpPr/>
-          <p:nvPr/>
-        </p:nvSpPr>
-        <p:spPr>
-          <a:xfrm>
-            <a:off x="4437507" y="5229279"/>
-            <a:ext cx="453599" cy="432000"/>
-          </a:xfrm>
-          <a:prstGeom prst="triangle">
-            <a:avLst>
-              <a:gd name="adj" fmla="val 50000"/>
-            </a:avLst>
-          </a:prstGeom>
-          <a:solidFill>
-            <a:srgbClr val="ffb505"/>
-          </a:solidFill>
-          <a:ln>
-            <a:solidFill>
-              <a:srgbClr val="ffb505"/>
-            </a:solidFill>
-          </a:ln>
-          <a:effectLst/>
-        </p:spPr>
-        <p:style>
-          <a:lnRef idx="2">
-            <a:schemeClr val="accent1">
-              <a:shade val="20000"/>
-            </a:schemeClr>
-          </a:lnRef>
-          <a:fillRef idx="1">
-            <a:schemeClr val="accent1"/>
-          </a:fillRef>
-          <a:effectRef idx="0">
-            <a:schemeClr val="accent1"/>
-          </a:effectRef>
-          <a:fontRef idx="minor">
-            <a:schemeClr val="lt1"/>
-          </a:fontRef>
-        </p:style>
-        <p:txBody>
-          <a:bodyPr anchor="ctr"/>
-          <a:p>
-            <a:pPr>
-              <a:defRPr lang="ko-KR" altLang="en-US"/>
-            </a:pPr>
-            <a:endParaRPr lang="en-US"/>
-          </a:p>
-        </p:txBody>
-      </p:sp>
-      <p:cxnSp>
-        <p:nvCxnSpPr>
-          <p:cNvPr id="28" name=""/>
-          <p:cNvCxnSpPr/>
-          <p:nvPr/>
-        </p:nvCxnSpPr>
-        <p:spPr>
-          <a:xfrm>
-            <a:off x="2705480" y="908685"/>
-            <a:ext cx="3857625" cy="0"/>
-          </a:xfrm>
-          <a:prstGeom prst="line">
-            <a:avLst/>
-          </a:prstGeom>
-          <a:ln w="3175">
-            <a:solidFill>
-              <a:srgbClr val="777777"/>
-            </a:solidFill>
-          </a:ln>
-        </p:spPr>
-        <p:style>
-          <a:lnRef idx="1">
-            <a:schemeClr val="accent1"/>
-          </a:lnRef>
-          <a:fillRef idx="0">
-            <a:schemeClr val="accent1"/>
-          </a:fillRef>
-          <a:effectRef idx="0">
-            <a:schemeClr val="accent1"/>
-          </a:effectRef>
-          <a:fontRef idx="minor">
-            <a:schemeClr val="tx1"/>
-          </a:fontRef>
-        </p:style>
-      </p:cxnSp>
-      <p:cxnSp>
-        <p:nvCxnSpPr>
-          <p:cNvPr id="32" name=""/>
-          <p:cNvCxnSpPr/>
-          <p:nvPr/>
-        </p:nvCxnSpPr>
-        <p:spPr>
-          <a:xfrm rot="16200000" flipH="1">
-            <a:off x="3251100" y="2966366"/>
-            <a:ext cx="4091031" cy="2633"/>
-          </a:xfrm>
-          <a:prstGeom prst="line">
-            <a:avLst/>
-          </a:prstGeom>
-          <a:ln w="19050">
-            <a:solidFill>
-              <a:srgbClr val="777777"/>
-            </a:solidFill>
-          </a:ln>
-        </p:spPr>
-        <p:style>
-          <a:lnRef idx="1">
-            <a:schemeClr val="accent1"/>
-          </a:lnRef>
-          <a:fillRef idx="0">
-            <a:schemeClr val="accent1"/>
-          </a:fillRef>
-          <a:effectRef idx="0">
-            <a:schemeClr val="accent1"/>
-          </a:effectRef>
-          <a:fontRef idx="minor">
-            <a:schemeClr val="tx1"/>
-          </a:fontRef>
-        </p:style>
-      </p:cxnSp>
-      <p:cxnSp>
-        <p:nvCxnSpPr>
-          <p:cNvPr id="33" name=""/>
-          <p:cNvCxnSpPr/>
-          <p:nvPr/>
-        </p:nvCxnSpPr>
-        <p:spPr>
-          <a:xfrm rot="16200000" flipH="1">
-            <a:off x="1949387" y="2960940"/>
-            <a:ext cx="4104515" cy="0"/>
-          </a:xfrm>
-          <a:prstGeom prst="line">
-            <a:avLst/>
-          </a:prstGeom>
-          <a:ln w="19050">
-            <a:solidFill>
-              <a:srgbClr val="777777"/>
-            </a:solidFill>
-          </a:ln>
-        </p:spPr>
-        <p:style>
-          <a:lnRef idx="1">
-            <a:schemeClr val="accent1"/>
-          </a:lnRef>
-          <a:fillRef idx="0">
-            <a:schemeClr val="accent1"/>
-          </a:fillRef>
-          <a:effectRef idx="0">
-            <a:schemeClr val="accent1"/>
-          </a:effectRef>
-          <a:fontRef idx="minor">
-            <a:schemeClr val="tx1"/>
-          </a:fontRef>
-        </p:style>
-      </p:cxnSp>
-      <p:sp>
-        <p:nvSpPr>
-          <p:cNvPr id="39" name=""/>
-          <p:cNvSpPr/>
-          <p:nvPr/>
-        </p:nvSpPr>
-        <p:spPr>
-          <a:xfrm>
-            <a:off x="4165272" y="5013198"/>
-            <a:ext cx="982799" cy="936117"/>
-          </a:xfrm>
-          <a:prstGeom prst="ellipse">
-            <a:avLst/>
-          </a:prstGeom>
-          <a:noFill/>
-          <a:ln>
-            <a:solidFill>
-              <a:srgbClr val="777777"/>
-            </a:solidFill>
-          </a:ln>
-        </p:spPr>
-        <p:style>
-          <a:lnRef idx="2">
-            <a:schemeClr val="accent1">
-              <a:shade val="20000"/>
-            </a:schemeClr>
-          </a:lnRef>
-          <a:fillRef idx="1">
-            <a:schemeClr val="accent1"/>
-          </a:fillRef>
-          <a:effectRef idx="0">
-            <a:schemeClr val="accent1"/>
-          </a:effectRef>
-          <a:fontRef idx="minor">
-            <a:schemeClr val="lt1"/>
-          </a:fontRef>
-        </p:style>
-        <p:txBody>
-          <a:bodyPr anchor="ctr"/>
-          <a:p>
-            <a:pPr>
-              <a:defRPr lang="ko-KR" altLang="en-US"/>
-            </a:pPr>
-            <a:endParaRPr lang="en-US"/>
-          </a:p>
-        </p:txBody>
-      </p:sp>
-      <p:sp>
-        <p:nvSpPr>
-          <p:cNvPr id="41" name=""/>
-          <p:cNvSpPr/>
-          <p:nvPr/>
-        </p:nvSpPr>
-        <p:spPr>
-          <a:xfrm>
-            <a:off x="2987856" y="260657"/>
-            <a:ext cx="432000" cy="432000"/>
-          </a:xfrm>
-          <a:prstGeom prst="leftArrow">
-            <a:avLst>
-              <a:gd name="adj1" fmla="val 50000"/>
-              <a:gd name="adj2" fmla="val 50000"/>
-            </a:avLst>
-          </a:prstGeom>
-          <a:noFill/>
-          <a:ln>
-            <a:solidFill>
-              <a:srgbClr val="777777"/>
-            </a:solidFill>
-          </a:ln>
-        </p:spPr>
-        <p:style>
-          <a:lnRef idx="2">
-            <a:schemeClr val="accent1">
-              <a:shade val="20000"/>
-            </a:schemeClr>
-          </a:lnRef>
-          <a:fillRef idx="1">
-            <a:schemeClr val="accent1"/>
-          </a:fillRef>
-          <a:effectRef idx="0">
-            <a:schemeClr val="accent1"/>
-          </a:effectRef>
-          <a:fontRef idx="minor">
-            <a:schemeClr val="lt1"/>
-          </a:fontRef>
-        </p:style>
-        <p:txBody>
-          <a:bodyPr anchor="ctr"/>
-          <a:p>
-            <a:pPr>
-              <a:defRPr lang="ko-KR" altLang="en-US"/>
-            </a:pPr>
-            <a:endParaRPr lang="en-US"/>
-          </a:p>
-        </p:txBody>
-      </p:sp>
-      <p:cxnSp>
-        <p:nvCxnSpPr>
-          <p:cNvPr id="42" name=""/>
-          <p:cNvCxnSpPr/>
-          <p:nvPr/>
-        </p:nvCxnSpPr>
-        <p:spPr>
-          <a:xfrm>
-            <a:off x="2699765" y="5013198"/>
-            <a:ext cx="1296162" cy="0"/>
-          </a:xfrm>
-          <a:prstGeom prst="line">
-            <a:avLst/>
-          </a:prstGeom>
-          <a:ln w="19050">
-            <a:solidFill>
-              <a:srgbClr val="777777"/>
-            </a:solidFill>
-          </a:ln>
-        </p:spPr>
-        <p:style>
-          <a:lnRef idx="1">
-            <a:schemeClr val="accent1"/>
-          </a:lnRef>
-          <a:fillRef idx="0">
-            <a:schemeClr val="accent1"/>
-          </a:fillRef>
-          <a:effectRef idx="0">
-            <a:schemeClr val="accent1"/>
-          </a:effectRef>
-          <a:fontRef idx="minor">
-            <a:schemeClr val="tx1"/>
-          </a:fontRef>
-        </p:style>
-      </p:cxnSp>
-      <p:cxnSp>
-        <p:nvCxnSpPr>
-          <p:cNvPr id="43" name=""/>
-          <p:cNvCxnSpPr/>
-          <p:nvPr/>
-        </p:nvCxnSpPr>
-        <p:spPr>
-          <a:xfrm>
-            <a:off x="5295299" y="5013198"/>
-            <a:ext cx="1289689" cy="0"/>
-          </a:xfrm>
-          <a:prstGeom prst="line">
-            <a:avLst/>
-          </a:prstGeom>
-          <a:ln w="19050">
-            <a:solidFill>
-              <a:srgbClr val="777777"/>
-            </a:solidFill>
-          </a:ln>
-        </p:spPr>
-        <p:style>
-          <a:lnRef idx="1">
-            <a:schemeClr val="accent1"/>
-          </a:lnRef>
-          <a:fillRef idx="0">
-            <a:schemeClr val="accent1"/>
-          </a:fillRef>
-          <a:effectRef idx="0">
-            <a:schemeClr val="accent1"/>
-          </a:effectRef>
-          <a:fontRef idx="minor">
-            <a:schemeClr val="tx1"/>
-          </a:fontRef>
-        </p:style>
-      </p:cxnSp>
-      <p:sp>
-        <p:nvSpPr>
-          <p:cNvPr id="44" name=""/>
-          <p:cNvSpPr/>
-          <p:nvPr/>
-        </p:nvSpPr>
-        <p:spPr>
-          <a:xfrm>
-            <a:off x="3137561" y="5265256"/>
-            <a:ext cx="432000" cy="432000"/>
-          </a:xfrm>
-          <a:prstGeom prst="diamond">
-            <a:avLst/>
-          </a:prstGeom>
-          <a:solidFill>
-            <a:srgbClr val="176ced"/>
-          </a:solidFill>
-          <a:ln>
-            <a:solidFill>
-              <a:srgbClr val="176ced"/>
-            </a:solidFill>
-          </a:ln>
-          <a:effectLst/>
-        </p:spPr>
-        <p:style>
-          <a:lnRef idx="2">
-            <a:schemeClr val="accent1">
-              <a:shade val="20000"/>
-            </a:schemeClr>
-          </a:lnRef>
-          <a:fillRef idx="1">
-            <a:schemeClr val="accent1"/>
-          </a:fillRef>
-          <a:effectRef idx="0">
-            <a:schemeClr val="accent1"/>
-          </a:effectRef>
-          <a:fontRef idx="minor">
-            <a:schemeClr val="lt1"/>
-          </a:fontRef>
-        </p:style>
-        <p:txBody>
-          <a:bodyPr anchor="ctr"/>
-          <a:lstStyle/>
-          <a:p>
-            <a:pPr>
-              <a:defRPr lang="ko-KR" altLang="en-US"/>
-            </a:pPr>
-            <a:endParaRPr lang="en-US"/>
-          </a:p>
-        </p:txBody>
-      </p:sp>
-      <p:sp>
-        <p:nvSpPr>
-          <p:cNvPr id="45" name=""/>
-          <p:cNvSpPr/>
-          <p:nvPr/>
-        </p:nvSpPr>
-        <p:spPr>
-          <a:xfrm>
-            <a:off x="5724144" y="5265256"/>
-            <a:ext cx="432000" cy="432000"/>
-          </a:xfrm>
-          <a:prstGeom prst="heart">
-            <a:avLst/>
-          </a:prstGeom>
-          <a:solidFill>
-            <a:srgbClr val="f52525"/>
-          </a:solidFill>
-          <a:ln>
-            <a:solidFill>
-              <a:srgbClr val="fef2f0"/>
-            </a:solidFill>
-          </a:ln>
-          <a:effectLst/>
-        </p:spPr>
-        <p:style>
-          <a:lnRef idx="2">
-            <a:schemeClr val="accent1">
-              <a:shade val="20000"/>
-            </a:schemeClr>
-          </a:lnRef>
-          <a:fillRef idx="1">
-            <a:schemeClr val="accent1"/>
-          </a:fillRef>
-          <a:effectRef idx="0">
-            <a:schemeClr val="accent1"/>
-          </a:effectRef>
-          <a:fontRef idx="minor">
-            <a:schemeClr val="lt1"/>
-          </a:fontRef>
-        </p:style>
-        <p:txBody>
-          <a:bodyPr anchor="ctr"/>
-          <a:p>
-            <a:pPr>
-              <a:defRPr lang="ko-KR" altLang="en-US"/>
-            </a:pPr>
-            <a:endParaRPr lang="en-US"/>
-          </a:p>
-        </p:txBody>
-      </p:sp>
-      <p:cxnSp>
-        <p:nvCxnSpPr>
-          <p:cNvPr id="46" name=""/>
-          <p:cNvCxnSpPr/>
-          <p:nvPr/>
-        </p:nvCxnSpPr>
-        <p:spPr>
-          <a:xfrm>
-            <a:off x="2705480" y="6093333"/>
-            <a:ext cx="3854891" cy="0"/>
-          </a:xfrm>
-          <a:prstGeom prst="line">
-            <a:avLst/>
-          </a:prstGeom>
-          <a:ln w="19050">
-            <a:solidFill>
-              <a:srgbClr val="777777"/>
-            </a:solidFill>
-          </a:ln>
-        </p:spPr>
-        <p:style>
-          <a:lnRef idx="1">
-            <a:schemeClr val="accent1"/>
-          </a:lnRef>
-          <a:fillRef idx="0">
-            <a:schemeClr val="accent1"/>
-          </a:fillRef>
-          <a:effectRef idx="0">
-            <a:schemeClr val="accent1"/>
-          </a:effectRef>
-          <a:fontRef idx="minor">
-            <a:schemeClr val="tx1"/>
-          </a:fontRef>
-        </p:style>
-      </p:cxnSp>
+        </p:spPr>
+      </p:pic>
     </p:spTree>
   </p:cSld>
   <p:clrMapOvr>
@@ -5560,6 +5235,786 @@
           </a:fontRef>
         </p:style>
       </p:cxnSp>
+    </p:spTree>
+  </p:cSld>
+  <p:clrMapOvr>
+    <a:masterClrMapping/>
+  </p:clrMapOvr>
+  <p:transition xmlns:mc="http://schemas.openxmlformats.org/markup-compatibility/2006" xmlns:hp="http://schemas.haansoft.com/office/presentation/8.0" mc:Ignorable="hp" hp:hslDur="500"/>
+</p:sld>
+</file>
+
+<file path=ppt/slides/slide3.xml><?xml version="1.0" encoding="utf-8"?>
+<p:sld xmlns:r="http://schemas.openxmlformats.org/officeDocument/2006/relationships" xmlns:c="http://schemas.openxmlformats.org/drawingml/2006/chart" xmlns:a="http://schemas.openxmlformats.org/drawingml/2006/main" xmlns:dgm="http://schemas.openxmlformats.org/drawingml/2006/diagram" xmlns:dsp="http://schemas.microsoft.com/office/drawing/2008/diagram" xmlns:p="http://schemas.openxmlformats.org/presentationml/2006/main">
+  <p:cSld>
+    <p:bg>
+      <p:bgPr shadeToTitle="0">
+        <a:solidFill>
+          <a:schemeClr val="accent1"/>
+        </a:solidFill>
+      </p:bgPr>
+    </p:bg>
+    <p:spTree>
+      <p:nvGrpSpPr>
+        <p:cNvPr id="1" name=""/>
+        <p:cNvGrpSpPr/>
+        <p:nvPr/>
+      </p:nvGrpSpPr>
+      <p:grpSpPr>
+        <a:xfrm>
+          <a:off x="0" y="0"/>
+          <a:ext cx="0" cy="0"/>
+          <a:chOff x="0" y="0"/>
+          <a:chExt cx="0" cy="0"/>
+        </a:xfrm>
+      </p:grpSpPr>
+      <p:sp>
+        <p:nvSpPr>
+          <p:cNvPr id="12" name=""/>
+          <p:cNvSpPr/>
+          <p:nvPr/>
+        </p:nvSpPr>
+        <p:spPr>
+          <a:xfrm rot="5400000">
+            <a:off x="5724144" y="188666"/>
+            <a:ext cx="576000" cy="576000"/>
+          </a:xfrm>
+          <a:prstGeom prst="mathEqual">
+            <a:avLst>
+              <a:gd name="adj1" fmla="val 23520"/>
+              <a:gd name="adj2" fmla="val 11760"/>
+            </a:avLst>
+          </a:prstGeom>
+          <a:solidFill>
+            <a:schemeClr val="bg1"/>
+          </a:solidFill>
+          <a:ln>
+            <a:solidFill>
+              <a:srgbClr val="777777"/>
+            </a:solidFill>
+          </a:ln>
+        </p:spPr>
+        <p:style>
+          <a:lnRef idx="2">
+            <a:schemeClr val="accent1">
+              <a:shade val="20000"/>
+            </a:schemeClr>
+          </a:lnRef>
+          <a:fillRef idx="1">
+            <a:schemeClr val="accent1"/>
+          </a:fillRef>
+          <a:effectRef idx="0">
+            <a:schemeClr val="accent1"/>
+          </a:effectRef>
+          <a:fontRef idx="minor">
+            <a:schemeClr val="lt1"/>
+          </a:fontRef>
+        </p:style>
+        <p:txBody>
+          <a:bodyPr anchor="ctr"/>
+          <a:p>
+            <a:pPr>
+              <a:defRPr lang="ko-KR" altLang="en-US"/>
+            </a:pPr>
+            <a:endParaRPr lang="en-US"/>
+          </a:p>
+        </p:txBody>
+      </p:sp>
+      <p:grpSp>
+        <p:nvGrpSpPr>
+          <p:cNvPr id="49" name=""/>
+          <p:cNvGrpSpPr/>
+          <p:nvPr/>
+        </p:nvGrpSpPr>
+        <p:grpSpPr>
+          <a:xfrm rot="0">
+            <a:off x="1979676" y="1916811"/>
+            <a:ext cx="3600000" cy="3600000"/>
+            <a:chOff x="1979676" y="1916811"/>
+            <a:chExt cx="3600000" cy="3600000"/>
+          </a:xfrm>
+        </p:grpSpPr>
+        <p:sp>
+          <p:nvSpPr>
+            <p:cNvPr id="48" name=""/>
+            <p:cNvSpPr/>
+            <p:nvPr/>
+          </p:nvSpPr>
+          <p:spPr>
+            <a:xfrm>
+              <a:off x="1979676" y="1916811"/>
+              <a:ext cx="3600000" cy="3600000"/>
+            </a:xfrm>
+            <a:prstGeom prst="rect">
+              <a:avLst/>
+            </a:prstGeom>
+            <a:solidFill>
+              <a:schemeClr val="bg1"/>
+            </a:solidFill>
+            <a:ln>
+              <a:noFill/>
+            </a:ln>
+          </p:spPr>
+          <p:style>
+            <a:lnRef idx="2">
+              <a:schemeClr val="accent1">
+                <a:shade val="20000"/>
+              </a:schemeClr>
+            </a:lnRef>
+            <a:fillRef idx="1">
+              <a:schemeClr val="accent1"/>
+            </a:fillRef>
+            <a:effectRef idx="0">
+              <a:schemeClr val="accent1"/>
+            </a:effectRef>
+            <a:fontRef idx="minor">
+              <a:schemeClr val="lt1"/>
+            </a:fontRef>
+          </p:style>
+          <p:txBody>
+            <a:bodyPr anchor="ctr"/>
+            <a:p>
+              <a:pPr>
+                <a:defRPr lang="ko-KR" altLang="en-US"/>
+              </a:pPr>
+              <a:endParaRPr lang="ko-KR" strike="sngStrike"/>
+            </a:p>
+          </p:txBody>
+        </p:sp>
+        <p:sp>
+          <p:nvSpPr>
+            <p:cNvPr id="17" name=""/>
+            <p:cNvSpPr/>
+            <p:nvPr/>
+          </p:nvSpPr>
+          <p:spPr>
+            <a:xfrm>
+              <a:off x="4368777" y="2780919"/>
+              <a:ext cx="324000" cy="324000"/>
+            </a:xfrm>
+            <a:prstGeom prst="heart">
+              <a:avLst/>
+            </a:prstGeom>
+            <a:solidFill>
+              <a:srgbClr val="f52525"/>
+            </a:solidFill>
+            <a:ln>
+              <a:noFill/>
+            </a:ln>
+            <a:effectLst/>
+          </p:spPr>
+          <p:style>
+            <a:lnRef idx="2">
+              <a:schemeClr val="accent1">
+                <a:shade val="20000"/>
+              </a:schemeClr>
+            </a:lnRef>
+            <a:fillRef idx="1">
+              <a:schemeClr val="accent1"/>
+            </a:fillRef>
+            <a:effectRef idx="0">
+              <a:schemeClr val="accent1"/>
+            </a:effectRef>
+            <a:fontRef idx="minor">
+              <a:schemeClr val="lt1"/>
+            </a:fontRef>
+          </p:style>
+          <p:txBody>
+            <a:bodyPr anchor="ctr"/>
+            <a:p>
+              <a:pPr>
+                <a:defRPr lang="ko-KR" altLang="en-US"/>
+              </a:pPr>
+              <a:endParaRPr lang="en-US"/>
+            </a:p>
+          </p:txBody>
+        </p:sp>
+        <p:sp>
+          <p:nvSpPr>
+            <p:cNvPr id="19" name=""/>
+            <p:cNvSpPr/>
+            <p:nvPr/>
+          </p:nvSpPr>
+          <p:spPr>
+            <a:xfrm>
+              <a:off x="3707892" y="3121986"/>
+              <a:ext cx="576000" cy="576000"/>
+            </a:xfrm>
+            <a:prstGeom prst="diamond">
+              <a:avLst/>
+            </a:prstGeom>
+            <a:solidFill>
+              <a:srgbClr val="176ced"/>
+            </a:solidFill>
+            <a:ln>
+              <a:noFill/>
+            </a:ln>
+            <a:effectLst/>
+          </p:spPr>
+          <p:style>
+            <a:lnRef idx="2">
+              <a:schemeClr val="accent1">
+                <a:shade val="20000"/>
+              </a:schemeClr>
+            </a:lnRef>
+            <a:fillRef idx="1">
+              <a:schemeClr val="accent1"/>
+            </a:fillRef>
+            <a:effectRef idx="0">
+              <a:schemeClr val="accent1"/>
+            </a:effectRef>
+            <a:fontRef idx="minor">
+              <a:schemeClr val="lt1"/>
+            </a:fontRef>
+          </p:style>
+          <p:txBody>
+            <a:bodyPr anchor="ctr"/>
+            <a:p>
+              <a:pPr>
+                <a:defRPr lang="ko-KR" altLang="en-US"/>
+              </a:pPr>
+              <a:endParaRPr lang="en-US"/>
+            </a:p>
+          </p:txBody>
+        </p:sp>
+        <p:sp>
+          <p:nvSpPr>
+            <p:cNvPr id="22" name=""/>
+            <p:cNvSpPr/>
+            <p:nvPr/>
+          </p:nvSpPr>
+          <p:spPr>
+            <a:xfrm>
+              <a:off x="4836795" y="2492883"/>
+              <a:ext cx="251999" cy="216000"/>
+            </a:xfrm>
+            <a:prstGeom prst="triangle">
+              <a:avLst>
+                <a:gd name="adj" fmla="val 50000"/>
+              </a:avLst>
+            </a:prstGeom>
+            <a:solidFill>
+              <a:srgbClr val="ffb505"/>
+            </a:solidFill>
+            <a:ln>
+              <a:noFill/>
+            </a:ln>
+            <a:effectLst/>
+          </p:spPr>
+          <p:style>
+            <a:lnRef idx="2">
+              <a:schemeClr val="accent1">
+                <a:shade val="20000"/>
+              </a:schemeClr>
+            </a:lnRef>
+            <a:fillRef idx="1">
+              <a:schemeClr val="accent1"/>
+            </a:fillRef>
+            <a:effectRef idx="0">
+              <a:schemeClr val="accent1"/>
+            </a:effectRef>
+            <a:fontRef idx="minor">
+              <a:schemeClr val="lt1"/>
+            </a:fontRef>
+          </p:style>
+          <p:txBody>
+            <a:bodyPr anchor="ctr"/>
+            <a:p>
+              <a:pPr>
+                <a:defRPr lang="ko-KR" altLang="en-US"/>
+              </a:pPr>
+              <a:endParaRPr lang="en-US"/>
+            </a:p>
+          </p:txBody>
+        </p:sp>
+        <p:sp>
+          <p:nvSpPr>
+            <p:cNvPr id="14" name=""/>
+            <p:cNvSpPr/>
+            <p:nvPr/>
+          </p:nvSpPr>
+          <p:spPr>
+            <a:xfrm>
+              <a:off x="2664027" y="3860901"/>
+              <a:ext cx="684000" cy="684000"/>
+            </a:xfrm>
+            <a:prstGeom prst="pentagon">
+              <a:avLst>
+                <a:gd name="hf" fmla="val 105146"/>
+                <a:gd name="vf" fmla="val 110557"/>
+              </a:avLst>
+            </a:prstGeom>
+            <a:solidFill>
+              <a:srgbClr val="009a57"/>
+            </a:solidFill>
+            <a:ln>
+              <a:noFill/>
+            </a:ln>
+            <a:effectLst/>
+          </p:spPr>
+          <p:style>
+            <a:lnRef idx="2">
+              <a:schemeClr val="accent1">
+                <a:shade val="20000"/>
+              </a:schemeClr>
+            </a:lnRef>
+            <a:fillRef idx="1">
+              <a:schemeClr val="accent1"/>
+            </a:fillRef>
+            <a:effectRef idx="0">
+              <a:schemeClr val="accent1"/>
+            </a:effectRef>
+            <a:fontRef idx="minor">
+              <a:schemeClr val="lt1"/>
+            </a:fontRef>
+          </p:style>
+          <p:txBody>
+            <a:bodyPr anchor="ctr"/>
+            <a:p>
+              <a:pPr>
+                <a:defRPr lang="ko-KR" altLang="en-US"/>
+              </a:pPr>
+              <a:endParaRPr lang="en-US"/>
+            </a:p>
+          </p:txBody>
+        </p:sp>
+        <p:sp>
+          <p:nvSpPr>
+            <p:cNvPr id="39" name=""/>
+            <p:cNvSpPr/>
+            <p:nvPr/>
+          </p:nvSpPr>
+          <p:spPr>
+            <a:xfrm>
+              <a:off x="2394027" y="3626910"/>
+              <a:ext cx="1224000" cy="1224000"/>
+            </a:xfrm>
+            <a:prstGeom prst="ellipse">
+              <a:avLst/>
+            </a:prstGeom>
+            <a:noFill/>
+            <a:ln w="28575">
+              <a:solidFill>
+                <a:srgbClr val="777777"/>
+              </a:solidFill>
+            </a:ln>
+          </p:spPr>
+          <p:style>
+            <a:lnRef idx="2">
+              <a:schemeClr val="accent1">
+                <a:shade val="20000"/>
+              </a:schemeClr>
+            </a:lnRef>
+            <a:fillRef idx="1">
+              <a:schemeClr val="accent1"/>
+            </a:fillRef>
+            <a:effectRef idx="0">
+              <a:schemeClr val="accent1"/>
+            </a:effectRef>
+            <a:fontRef idx="minor">
+              <a:schemeClr val="lt1"/>
+            </a:fontRef>
+          </p:style>
+          <p:txBody>
+            <a:bodyPr anchor="ctr"/>
+            <a:p>
+              <a:pPr>
+                <a:defRPr lang="ko-KR" altLang="en-US"/>
+              </a:pPr>
+              <a:endParaRPr lang="en-US"/>
+            </a:p>
+          </p:txBody>
+        </p:sp>
+      </p:grpSp>
+      <p:sp>
+        <p:nvSpPr>
+          <p:cNvPr id="41" name=""/>
+          <p:cNvSpPr/>
+          <p:nvPr/>
+        </p:nvSpPr>
+        <p:spPr>
+          <a:xfrm>
+            <a:off x="2987856" y="260657"/>
+            <a:ext cx="432000" cy="432000"/>
+          </a:xfrm>
+          <a:prstGeom prst="leftArrow">
+            <a:avLst>
+              <a:gd name="adj1" fmla="val 50000"/>
+              <a:gd name="adj2" fmla="val 50000"/>
+            </a:avLst>
+          </a:prstGeom>
+          <a:noFill/>
+          <a:ln>
+            <a:solidFill>
+              <a:srgbClr val="777777"/>
+            </a:solidFill>
+          </a:ln>
+        </p:spPr>
+        <p:style>
+          <a:lnRef idx="2">
+            <a:schemeClr val="accent1">
+              <a:shade val="20000"/>
+            </a:schemeClr>
+          </a:lnRef>
+          <a:fillRef idx="1">
+            <a:schemeClr val="accent1"/>
+          </a:fillRef>
+          <a:effectRef idx="0">
+            <a:schemeClr val="accent1"/>
+          </a:effectRef>
+          <a:fontRef idx="minor">
+            <a:schemeClr val="lt1"/>
+          </a:fontRef>
+        </p:style>
+        <p:txBody>
+          <a:bodyPr anchor="ctr"/>
+          <a:p>
+            <a:pPr>
+              <a:defRPr lang="ko-KR" altLang="en-US"/>
+            </a:pPr>
+            <a:endParaRPr lang="en-US"/>
+          </a:p>
+        </p:txBody>
+      </p:sp>
+    </p:spTree>
+  </p:cSld>
+  <p:clrMapOvr>
+    <a:masterClrMapping/>
+  </p:clrMapOvr>
+  <p:transition xmlns:mc="http://schemas.openxmlformats.org/markup-compatibility/2006" xmlns:hp="http://schemas.haansoft.com/office/presentation/8.0" mc:Ignorable="hp" hp:hslDur="500"/>
+</p:sld>
+</file>
+
+<file path=ppt/slides/slide4.xml><?xml version="1.0" encoding="utf-8"?>
+<p:sld xmlns:r="http://schemas.openxmlformats.org/officeDocument/2006/relationships" xmlns:c="http://schemas.openxmlformats.org/drawingml/2006/chart" xmlns:a="http://schemas.openxmlformats.org/drawingml/2006/main" xmlns:dgm="http://schemas.openxmlformats.org/drawingml/2006/diagram" xmlns:dsp="http://schemas.microsoft.com/office/drawing/2008/diagram" xmlns:p="http://schemas.openxmlformats.org/presentationml/2006/main">
+  <p:cSld>
+    <p:bg>
+      <p:bgPr shadeToTitle="0">
+        <a:solidFill>
+          <a:schemeClr val="accent1"/>
+        </a:solidFill>
+      </p:bgPr>
+    </p:bg>
+    <p:spTree>
+      <p:nvGrpSpPr>
+        <p:cNvPr id="1" name=""/>
+        <p:cNvGrpSpPr/>
+        <p:nvPr/>
+      </p:nvGrpSpPr>
+      <p:grpSpPr>
+        <a:xfrm>
+          <a:off x="0" y="0"/>
+          <a:ext cx="0" cy="0"/>
+          <a:chOff x="0" y="0"/>
+          <a:chExt cx="0" cy="0"/>
+        </a:xfrm>
+      </p:grpSpPr>
+      <p:grpSp>
+        <p:nvGrpSpPr>
+          <p:cNvPr id="51" name=""/>
+          <p:cNvGrpSpPr>
+            <a:grpSpLocks noChangeAspect="1"/>
+          </p:cNvGrpSpPr>
+          <p:nvPr/>
+        </p:nvGrpSpPr>
+        <p:grpSpPr>
+          <a:xfrm rot="0">
+            <a:off x="508909" y="314829"/>
+            <a:ext cx="438150" cy="438150"/>
+            <a:chOff x="508909" y="314829"/>
+            <a:chExt cx="3600000" cy="3600000"/>
+          </a:xfrm>
+        </p:grpSpPr>
+        <p:sp>
+          <p:nvSpPr>
+            <p:cNvPr id="48" name=""/>
+            <p:cNvSpPr/>
+            <p:nvPr/>
+          </p:nvSpPr>
+          <p:spPr>
+            <a:xfrm>
+              <a:off x="508909" y="314829"/>
+              <a:ext cx="3600000" cy="3600000"/>
+            </a:xfrm>
+            <a:prstGeom prst="rect">
+              <a:avLst/>
+            </a:prstGeom>
+            <a:noFill/>
+            <a:ln>
+              <a:noFill/>
+            </a:ln>
+          </p:spPr>
+          <p:style>
+            <a:lnRef idx="2">
+              <a:schemeClr val="accent1">
+                <a:shade val="20000"/>
+              </a:schemeClr>
+            </a:lnRef>
+            <a:fillRef idx="1">
+              <a:schemeClr val="accent1"/>
+            </a:fillRef>
+            <a:effectRef idx="0">
+              <a:schemeClr val="accent1"/>
+            </a:effectRef>
+            <a:fontRef idx="minor">
+              <a:schemeClr val="lt1"/>
+            </a:fontRef>
+          </p:style>
+          <p:txBody>
+            <a:bodyPr anchor="ctr"/>
+            <a:p>
+              <a:pPr>
+                <a:defRPr lang="ko-KR" altLang="en-US"/>
+              </a:pPr>
+              <a:endParaRPr lang="ko-KR" strike="sngStrike"/>
+            </a:p>
+          </p:txBody>
+        </p:sp>
+        <p:sp>
+          <p:nvSpPr>
+            <p:cNvPr id="17" name=""/>
+            <p:cNvSpPr/>
+            <p:nvPr/>
+          </p:nvSpPr>
+          <p:spPr>
+            <a:xfrm>
+              <a:off x="3095919" y="1700829"/>
+              <a:ext cx="828000" cy="828000"/>
+            </a:xfrm>
+            <a:prstGeom prst="heart">
+              <a:avLst/>
+            </a:prstGeom>
+            <a:solidFill>
+              <a:srgbClr val="f52525"/>
+            </a:solidFill>
+            <a:ln>
+              <a:noFill/>
+            </a:ln>
+            <a:effectLst/>
+          </p:spPr>
+          <p:style>
+            <a:lnRef idx="2">
+              <a:schemeClr val="accent1">
+                <a:shade val="20000"/>
+              </a:schemeClr>
+            </a:lnRef>
+            <a:fillRef idx="1">
+              <a:schemeClr val="accent1"/>
+            </a:fillRef>
+            <a:effectRef idx="0">
+              <a:schemeClr val="accent1"/>
+            </a:effectRef>
+            <a:fontRef idx="minor">
+              <a:schemeClr val="lt1"/>
+            </a:fontRef>
+          </p:style>
+          <p:txBody>
+            <a:bodyPr anchor="ctr"/>
+            <a:p>
+              <a:pPr>
+                <a:defRPr lang="ko-KR" altLang="en-US"/>
+              </a:pPr>
+              <a:endParaRPr lang="en-US"/>
+            </a:p>
+          </p:txBody>
+        </p:sp>
+        <p:sp>
+          <p:nvSpPr>
+            <p:cNvPr id="19" name=""/>
+            <p:cNvSpPr/>
+            <p:nvPr/>
+          </p:nvSpPr>
+          <p:spPr>
+            <a:xfrm>
+              <a:off x="1840909" y="548757"/>
+              <a:ext cx="936000" cy="936000"/>
+            </a:xfrm>
+            <a:prstGeom prst="diamond">
+              <a:avLst/>
+            </a:prstGeom>
+            <a:solidFill>
+              <a:srgbClr val="176ced"/>
+            </a:solidFill>
+            <a:ln>
+              <a:noFill/>
+            </a:ln>
+            <a:effectLst/>
+          </p:spPr>
+          <p:style>
+            <a:lnRef idx="2">
+              <a:schemeClr val="accent1">
+                <a:shade val="20000"/>
+              </a:schemeClr>
+            </a:lnRef>
+            <a:fillRef idx="1">
+              <a:schemeClr val="accent1"/>
+            </a:fillRef>
+            <a:effectRef idx="0">
+              <a:schemeClr val="accent1"/>
+            </a:effectRef>
+            <a:fontRef idx="minor">
+              <a:schemeClr val="lt1"/>
+            </a:fontRef>
+          </p:style>
+          <p:txBody>
+            <a:bodyPr anchor="ctr"/>
+            <a:p>
+              <a:pPr>
+                <a:defRPr lang="ko-KR" altLang="en-US"/>
+              </a:pPr>
+              <a:endParaRPr lang="en-US"/>
+            </a:p>
+          </p:txBody>
+        </p:sp>
+        <p:sp>
+          <p:nvSpPr>
+            <p:cNvPr id="22" name=""/>
+            <p:cNvSpPr/>
+            <p:nvPr/>
+          </p:nvSpPr>
+          <p:spPr>
+            <a:xfrm>
+              <a:off x="1840909" y="2636901"/>
+              <a:ext cx="936000" cy="936000"/>
+            </a:xfrm>
+            <a:prstGeom prst="triangle">
+              <a:avLst>
+                <a:gd name="adj" fmla="val 50000"/>
+              </a:avLst>
+            </a:prstGeom>
+            <a:solidFill>
+              <a:srgbClr val="ffb505"/>
+            </a:solidFill>
+            <a:ln>
+              <a:noFill/>
+            </a:ln>
+            <a:effectLst/>
+          </p:spPr>
+          <p:style>
+            <a:lnRef idx="2">
+              <a:schemeClr val="accent1">
+                <a:shade val="20000"/>
+              </a:schemeClr>
+            </a:lnRef>
+            <a:fillRef idx="1">
+              <a:schemeClr val="accent1"/>
+            </a:fillRef>
+            <a:effectRef idx="0">
+              <a:schemeClr val="accent1"/>
+            </a:effectRef>
+            <a:fontRef idx="minor">
+              <a:schemeClr val="lt1"/>
+            </a:fontRef>
+          </p:style>
+          <p:txBody>
+            <a:bodyPr anchor="ctr"/>
+            <a:p>
+              <a:pPr>
+                <a:defRPr lang="ko-KR" altLang="en-US"/>
+              </a:pPr>
+              <a:endParaRPr lang="en-US"/>
+            </a:p>
+          </p:txBody>
+        </p:sp>
+        <p:sp>
+          <p:nvSpPr>
+            <p:cNvPr id="14" name=""/>
+            <p:cNvSpPr/>
+            <p:nvPr/>
+          </p:nvSpPr>
+          <p:spPr>
+            <a:xfrm>
+              <a:off x="923260" y="1736819"/>
+              <a:ext cx="684000" cy="684000"/>
+            </a:xfrm>
+            <a:prstGeom prst="pentagon">
+              <a:avLst>
+                <a:gd name="hf" fmla="val 105146"/>
+                <a:gd name="vf" fmla="val 110557"/>
+              </a:avLst>
+            </a:prstGeom>
+            <a:solidFill>
+              <a:srgbClr val="009a57"/>
+            </a:solidFill>
+            <a:ln>
+              <a:noFill/>
+            </a:ln>
+            <a:effectLst/>
+          </p:spPr>
+          <p:style>
+            <a:lnRef idx="2">
+              <a:schemeClr val="accent1">
+                <a:shade val="20000"/>
+              </a:schemeClr>
+            </a:lnRef>
+            <a:fillRef idx="1">
+              <a:schemeClr val="accent1"/>
+            </a:fillRef>
+            <a:effectRef idx="0">
+              <a:schemeClr val="accent1"/>
+            </a:effectRef>
+            <a:fontRef idx="minor">
+              <a:schemeClr val="lt1"/>
+            </a:fontRef>
+          </p:style>
+          <p:txBody>
+            <a:bodyPr anchor="ctr"/>
+            <a:p>
+              <a:pPr>
+                <a:defRPr lang="ko-KR" altLang="en-US"/>
+              </a:pPr>
+              <a:endParaRPr lang="en-US"/>
+            </a:p>
+          </p:txBody>
+        </p:sp>
+        <p:sp>
+          <p:nvSpPr>
+            <p:cNvPr id="39" name=""/>
+            <p:cNvSpPr/>
+            <p:nvPr/>
+          </p:nvSpPr>
+          <p:spPr>
+            <a:xfrm>
+              <a:off x="653260" y="1502828"/>
+              <a:ext cx="1224000" cy="1224000"/>
+            </a:xfrm>
+            <a:prstGeom prst="ellipse">
+              <a:avLst/>
+            </a:prstGeom>
+            <a:noFill/>
+            <a:ln w="12700">
+              <a:solidFill>
+                <a:srgbClr val="777777"/>
+              </a:solidFill>
+            </a:ln>
+          </p:spPr>
+          <p:style>
+            <a:lnRef idx="2">
+              <a:schemeClr val="accent1">
+                <a:shade val="20000"/>
+              </a:schemeClr>
+            </a:lnRef>
+            <a:fillRef idx="1">
+              <a:schemeClr val="accent1"/>
+            </a:fillRef>
+            <a:effectRef idx="0">
+              <a:schemeClr val="accent1"/>
+            </a:effectRef>
+            <a:fontRef idx="minor">
+              <a:schemeClr val="lt1"/>
+            </a:fontRef>
+          </p:style>
+          <p:txBody>
+            <a:bodyPr anchor="ctr"/>
+            <a:p>
+              <a:pPr>
+                <a:defRPr lang="ko-KR" altLang="en-US"/>
+              </a:pPr>
+              <a:endParaRPr lang="en-US"/>
+            </a:p>
+          </p:txBody>
+        </p:sp>
+      </p:grpSp>
     </p:spTree>
   </p:cSld>
   <p:clrMapOvr>
